--- a/My brain diagram for printing.pptx
+++ b/My brain diagram for printing.pptx
@@ -254,7 +254,7 @@
           <a:p>
             <a:fld id="{C9474C76-4EEE-4422-ADBC-2A17E2D875C1}" type="datetimeFigureOut">
               <a:rPr lang="en-US" smtClean="0"/>
-              <a:t>07/03/25</a:t>
+              <a:t>07/20/25</a:t>
             </a:fld>
             <a:endParaRPr lang="en-US"/>
           </a:p>
@@ -424,7 +424,7 @@
           <a:p>
             <a:fld id="{C9474C76-4EEE-4422-ADBC-2A17E2D875C1}" type="datetimeFigureOut">
               <a:rPr lang="en-US" smtClean="0"/>
-              <a:t>07/03/25</a:t>
+              <a:t>07/20/25</a:t>
             </a:fld>
             <a:endParaRPr lang="en-US"/>
           </a:p>
@@ -604,7 +604,7 @@
           <a:p>
             <a:fld id="{C9474C76-4EEE-4422-ADBC-2A17E2D875C1}" type="datetimeFigureOut">
               <a:rPr lang="en-US" smtClean="0"/>
-              <a:t>07/03/25</a:t>
+              <a:t>07/20/25</a:t>
             </a:fld>
             <a:endParaRPr lang="en-US"/>
           </a:p>
@@ -774,7 +774,7 @@
           <a:p>
             <a:fld id="{C9474C76-4EEE-4422-ADBC-2A17E2D875C1}" type="datetimeFigureOut">
               <a:rPr lang="en-US" smtClean="0"/>
-              <a:t>07/03/25</a:t>
+              <a:t>07/20/25</a:t>
             </a:fld>
             <a:endParaRPr lang="en-US"/>
           </a:p>
@@ -1018,7 +1018,7 @@
           <a:p>
             <a:fld id="{C9474C76-4EEE-4422-ADBC-2A17E2D875C1}" type="datetimeFigureOut">
               <a:rPr lang="en-US" smtClean="0"/>
-              <a:t>07/03/25</a:t>
+              <a:t>07/20/25</a:t>
             </a:fld>
             <a:endParaRPr lang="en-US"/>
           </a:p>
@@ -1250,7 +1250,7 @@
           <a:p>
             <a:fld id="{C9474C76-4EEE-4422-ADBC-2A17E2D875C1}" type="datetimeFigureOut">
               <a:rPr lang="en-US" smtClean="0"/>
-              <a:t>07/03/25</a:t>
+              <a:t>07/20/25</a:t>
             </a:fld>
             <a:endParaRPr lang="en-US"/>
           </a:p>
@@ -1617,7 +1617,7 @@
           <a:p>
             <a:fld id="{C9474C76-4EEE-4422-ADBC-2A17E2D875C1}" type="datetimeFigureOut">
               <a:rPr lang="en-US" smtClean="0"/>
-              <a:t>07/03/25</a:t>
+              <a:t>07/20/25</a:t>
             </a:fld>
             <a:endParaRPr lang="en-US"/>
           </a:p>
@@ -1735,7 +1735,7 @@
           <a:p>
             <a:fld id="{C9474C76-4EEE-4422-ADBC-2A17E2D875C1}" type="datetimeFigureOut">
               <a:rPr lang="en-US" smtClean="0"/>
-              <a:t>07/03/25</a:t>
+              <a:t>07/20/25</a:t>
             </a:fld>
             <a:endParaRPr lang="en-US"/>
           </a:p>
@@ -1830,7 +1830,7 @@
           <a:p>
             <a:fld id="{C9474C76-4EEE-4422-ADBC-2A17E2D875C1}" type="datetimeFigureOut">
               <a:rPr lang="en-US" smtClean="0"/>
-              <a:t>07/03/25</a:t>
+              <a:t>07/20/25</a:t>
             </a:fld>
             <a:endParaRPr lang="en-US"/>
           </a:p>
@@ -2107,7 +2107,7 @@
           <a:p>
             <a:fld id="{C9474C76-4EEE-4422-ADBC-2A17E2D875C1}" type="datetimeFigureOut">
               <a:rPr lang="en-US" smtClean="0"/>
-              <a:t>07/03/25</a:t>
+              <a:t>07/20/25</a:t>
             </a:fld>
             <a:endParaRPr lang="en-US"/>
           </a:p>
@@ -2364,7 +2364,7 @@
           <a:p>
             <a:fld id="{C9474C76-4EEE-4422-ADBC-2A17E2D875C1}" type="datetimeFigureOut">
               <a:rPr lang="en-US" smtClean="0"/>
-              <a:t>07/03/25</a:t>
+              <a:t>07/20/25</a:t>
             </a:fld>
             <a:endParaRPr lang="en-US"/>
           </a:p>
@@ -2577,7 +2577,7 @@
           <a:p>
             <a:fld id="{C9474C76-4EEE-4422-ADBC-2A17E2D875C1}" type="datetimeFigureOut">
               <a:rPr lang="en-US" smtClean="0"/>
-              <a:t>07/03/25</a:t>
+              <a:t>07/20/25</a:t>
             </a:fld>
             <a:endParaRPr lang="en-US"/>
           </a:p>
@@ -2984,51 +2984,7 @@
       </p:grpSpPr>
       <p:pic>
         <p:nvPicPr>
-          <p:cNvPr id="3" name="Picture 2" descr="A drawing of a light bulb&#10;&#10;AI-generated content may be incorrect.">
-            <a:extLst>
-              <a:ext uri="{FF2B5EF4-FFF2-40B4-BE49-F238E27FC236}">
-                <a16:creationId xmlns:a16="http://schemas.microsoft.com/office/drawing/2014/main" id="{3E11302B-E5C6-46B6-E62B-6B392EC8E35B}"/>
-              </a:ext>
-            </a:extLst>
-          </p:cNvPr>
-          <p:cNvPicPr>
-            <a:picLocks noChangeAspect="1"/>
-          </p:cNvPicPr>
-          <p:nvPr/>
-        </p:nvPicPr>
-        <p:blipFill>
-          <a:blip r:embed="rId2">
-            <a:extLst>
-              <a:ext uri="{28A0092B-C50C-407E-A947-70E740481C1C}">
-                <a14:useLocalDpi xmlns:a14="http://schemas.microsoft.com/office/drawing/2010/main" val="0"/>
-              </a:ext>
-            </a:extLst>
-          </a:blip>
-          <a:srcRect l="1389" t="8902" r="3226" b="11370"/>
-          <a:stretch>
-            <a:fillRect/>
-          </a:stretch>
-        </p:blipFill>
-        <p:spPr>
-          <a:xfrm>
-            <a:off x="604910" y="112538"/>
-            <a:ext cx="4572000" cy="3215148"/>
-          </a:xfrm>
-          <a:prstGeom prst="rect">
-            <a:avLst/>
-          </a:prstGeom>
-          <a:ln>
-            <a:solidFill>
-              <a:schemeClr val="bg1">
-                <a:lumMod val="95000"/>
-              </a:schemeClr>
-            </a:solidFill>
-          </a:ln>
-        </p:spPr>
-      </p:pic>
-      <p:pic>
-        <p:nvPicPr>
-          <p:cNvPr id="4" name="Picture 3" descr="A drawing of a light bulb&#10;&#10;AI-generated content may be incorrect.">
+          <p:cNvPr id="4" name="Picture 3">
             <a:extLst>
               <a:ext uri="{FF2B5EF4-FFF2-40B4-BE49-F238E27FC236}">
                 <a16:creationId xmlns:a16="http://schemas.microsoft.com/office/drawing/2014/main" id="{141A4673-EAD3-EC82-7BA9-F04F1195B7A3}"/>
@@ -3048,10 +3004,8 @@
               </a:ext>
             </a:extLst>
           </a:blip>
-          <a:srcRect l="1389" t="8902" r="3226" b="11370"/>
-          <a:stretch>
-            <a:fillRect/>
-          </a:stretch>
+          <a:srcRect t="88" b="88"/>
+          <a:stretch/>
         </p:blipFill>
         <p:spPr>
           <a:xfrm>
@@ -3072,10 +3026,52 @@
       </p:pic>
       <p:pic>
         <p:nvPicPr>
-          <p:cNvPr id="5" name="Picture 4" descr="A drawing of a light bulb&#10;&#10;AI-generated content may be incorrect.">
+          <p:cNvPr id="5" name="Picture 4">
             <a:extLst>
               <a:ext uri="{FF2B5EF4-FFF2-40B4-BE49-F238E27FC236}">
                 <a16:creationId xmlns:a16="http://schemas.microsoft.com/office/drawing/2014/main" id="{E1FD4875-E65E-569C-A628-239C7C396AEA}"/>
+              </a:ext>
+            </a:extLst>
+          </p:cNvPr>
+          <p:cNvPicPr>
+            <a:picLocks noChangeAspect="1"/>
+          </p:cNvPicPr>
+          <p:nvPr/>
+        </p:nvPicPr>
+        <p:blipFill>
+          <a:blip r:embed="rId3">
+            <a:extLst>
+              <a:ext uri="{28A0092B-C50C-407E-A947-70E740481C1C}">
+                <a14:useLocalDpi xmlns:a14="http://schemas.microsoft.com/office/drawing/2010/main" val="0"/>
+              </a:ext>
+            </a:extLst>
+          </a:blip>
+          <a:srcRect t="147" b="147"/>
+          <a:stretch/>
+        </p:blipFill>
+        <p:spPr>
+          <a:xfrm>
+            <a:off x="604910" y="6801048"/>
+            <a:ext cx="4572000" cy="3215148"/>
+          </a:xfrm>
+          <a:prstGeom prst="rect">
+            <a:avLst/>
+          </a:prstGeom>
+          <a:ln>
+            <a:solidFill>
+              <a:schemeClr val="bg1">
+                <a:lumMod val="95000"/>
+              </a:schemeClr>
+            </a:solidFill>
+          </a:ln>
+        </p:spPr>
+      </p:pic>
+      <p:pic>
+        <p:nvPicPr>
+          <p:cNvPr id="12" name="Picture 11">
+            <a:extLst>
+              <a:ext uri="{FF2B5EF4-FFF2-40B4-BE49-F238E27FC236}">
+                <a16:creationId xmlns:a16="http://schemas.microsoft.com/office/drawing/2014/main" id="{9BC10B7C-4D1D-6485-7B12-7AD8615B1DAD}"/>
               </a:ext>
             </a:extLst>
           </p:cNvPr>
@@ -3092,14 +3088,12 @@
               </a:ext>
             </a:extLst>
           </a:blip>
-          <a:srcRect l="1389" t="8902" r="3226" b="11370"/>
-          <a:stretch>
-            <a:fillRect/>
-          </a:stretch>
+          <a:srcRect t="88" b="88"/>
+          <a:stretch/>
         </p:blipFill>
         <p:spPr>
           <a:xfrm>
-            <a:off x="604910" y="6801048"/>
+            <a:off x="604910" y="42204"/>
             <a:ext cx="4572000" cy="3215148"/>
           </a:xfrm>
           <a:prstGeom prst="rect">
